--- a/layout/layout_add_screen.pptx
+++ b/layout/layout_add_screen.pptx
@@ -5,7 +5,7 @@
     <p:sldMasterId id="2147483648" r:id="rId4"/>
   </p:sldMasterIdLst>
   <p:sldIdLst>
-    <p:sldId id="257" r:id="rId5"/>
+    <p:sldId id="258" r:id="rId5"/>
   </p:sldIdLst>
   <p:sldSz cx="12192000" cy="6858000"/>
   <p:notesSz cx="6858000" cy="9144000"/>
@@ -3478,131 +3478,6 @@
       </p:sp>
       <p:sp>
         <p:nvSpPr>
-          <p:cNvPr id="2" name="Textfeld 1"/>
-          <p:cNvSpPr txBox="1"/>
-          <p:nvPr/>
-        </p:nvSpPr>
-        <p:spPr>
-          <a:xfrm>
-            <a:off x="5968495" y="1363625"/>
-            <a:ext cx="3292329" cy="1477328"/>
-          </a:xfrm>
-          <a:prstGeom prst="rect">
-            <a:avLst/>
-          </a:prstGeom>
-          <a:noFill/>
-        </p:spPr>
-        <p:txBody>
-          <a:bodyPr wrap="square" rtlCol="0">
-            <a:spAutoFit/>
-          </a:bodyPr>
-          <a:lstStyle/>
-          <a:p>
-            <a:r>
-              <a:rPr lang="de-DE" dirty="0" smtClean="0">
-                <a:solidFill>
-                  <a:schemeClr val="bg1"/>
-                </a:solidFill>
-              </a:rPr>
-              <a:t>Name:  </a:t>
-            </a:r>
-            <a:r>
-              <a:rPr lang="de-DE" dirty="0" err="1" smtClean="0">
-                <a:solidFill>
-                  <a:schemeClr val="bg1"/>
-                </a:solidFill>
-              </a:rPr>
-              <a:t>Steam</a:t>
-            </a:r>
-            <a:r>
-              <a:rPr lang="de-DE" dirty="0" smtClean="0">
-                <a:solidFill>
-                  <a:schemeClr val="bg1"/>
-                </a:solidFill>
-              </a:rPr>
-              <a:t> 2. </a:t>
-            </a:r>
-            <a:r>
-              <a:rPr lang="de-DE" dirty="0" err="1" smtClean="0">
-                <a:solidFill>
-                  <a:schemeClr val="bg1"/>
-                </a:solidFill>
-              </a:rPr>
-              <a:t>Acc</a:t>
-            </a:r>
-            <a:endParaRPr lang="de-DE" dirty="0" smtClean="0">
-              <a:solidFill>
-                <a:schemeClr val="bg1"/>
-              </a:solidFill>
-            </a:endParaRPr>
-          </a:p>
-          <a:p>
-            <a:endParaRPr lang="de-DE" dirty="0">
-              <a:solidFill>
-                <a:schemeClr val="bg1"/>
-              </a:solidFill>
-            </a:endParaRPr>
-          </a:p>
-          <a:p>
-            <a:r>
-              <a:rPr lang="de-DE" dirty="0" smtClean="0">
-                <a:solidFill>
-                  <a:schemeClr val="bg1"/>
-                </a:solidFill>
-              </a:rPr>
-              <a:t>E-Mail: </a:t>
-            </a:r>
-            <a:r>
-              <a:rPr lang="de-DE" dirty="0" err="1" smtClean="0">
-                <a:solidFill>
-                  <a:schemeClr val="bg1"/>
-                </a:solidFill>
-              </a:rPr>
-              <a:t>jürgensdungeon@gmai</a:t>
-            </a:r>
-            <a:r>
-              <a:rPr lang="de-DE" dirty="0" smtClean="0">
-                <a:solidFill>
-                  <a:schemeClr val="bg1"/>
-                </a:solidFill>
-              </a:rPr>
-              <a:t>_</a:t>
-            </a:r>
-          </a:p>
-          <a:p>
-            <a:endParaRPr lang="de-DE" dirty="0">
-              <a:solidFill>
-                <a:schemeClr val="bg1"/>
-              </a:solidFill>
-            </a:endParaRPr>
-          </a:p>
-          <a:p>
-            <a:r>
-              <a:rPr lang="de-DE" dirty="0" smtClean="0">
-                <a:solidFill>
-                  <a:schemeClr val="bg1"/>
-                </a:solidFill>
-              </a:rPr>
-              <a:t>Password: </a:t>
-            </a:r>
-            <a:r>
-              <a:rPr lang="de-DE" dirty="0" err="1" smtClean="0">
-                <a:solidFill>
-                  <a:schemeClr val="bg1"/>
-                </a:solidFill>
-              </a:rPr>
-              <a:t>ÄthiopischerKönig</a:t>
-            </a:r>
-            <a:endParaRPr lang="de-DE" dirty="0" smtClean="0">
-              <a:solidFill>
-                <a:schemeClr val="bg1"/>
-              </a:solidFill>
-            </a:endParaRPr>
-          </a:p>
-        </p:txBody>
-      </p:sp>
-      <p:sp>
-        <p:nvSpPr>
           <p:cNvPr id="14" name="Rechteck: abgerundete Ecken 4">
             <a:extLst>
               <a:ext uri="{FF2B5EF4-FFF2-40B4-BE49-F238E27FC236}">
@@ -3667,7 +3542,7 @@
         <p:spPr>
           <a:xfrm>
             <a:off x="5972174" y="2961843"/>
-            <a:ext cx="3076575" cy="3416320"/>
+            <a:ext cx="3076575" cy="2585323"/>
           </a:xfrm>
           <a:prstGeom prst="rect">
             <a:avLst/>
@@ -3679,76 +3554,27 @@
           </a:bodyPr>
           <a:lstStyle/>
           <a:p>
-            <a:r>
-              <a:rPr lang="de-DE" dirty="0">
+            <a:pPr algn="ctr"/>
+            <a:r>
+              <a:rPr lang="de-DE" dirty="0" smtClean="0">
                 <a:solidFill>
-                  <a:schemeClr val="bg1"/>
+                  <a:prstClr val="white">
+                    <a:alpha val="25000"/>
+                  </a:prstClr>
                 </a:solidFill>
+                <a:latin typeface="Segoe UI" panose="020B0502040204020203" pitchFamily="34" charset="0"/>
+                <a:cs typeface="Segoe UI" panose="020B0502040204020203" pitchFamily="34" charset="0"/>
               </a:rPr>
-              <a:t>Notes:</a:t>
-            </a:r>
-          </a:p>
-          <a:p>
-            <a:r>
-              <a:rPr lang="de-DE" dirty="0">
-                <a:solidFill>
-                  <a:schemeClr val="bg1"/>
-                </a:solidFill>
-              </a:rPr>
-              <a:t>Passwort für meine 2. </a:t>
-            </a:r>
-            <a:r>
-              <a:rPr lang="de-DE" dirty="0" err="1">
-                <a:solidFill>
-                  <a:schemeClr val="bg1"/>
-                </a:solidFill>
-              </a:rPr>
-              <a:t>Steam</a:t>
-            </a:r>
-            <a:r>
-              <a:rPr lang="de-DE" dirty="0">
-                <a:solidFill>
-                  <a:schemeClr val="bg1"/>
-                </a:solidFill>
-              </a:rPr>
-              <a:t> </a:t>
-            </a:r>
-            <a:r>
-              <a:rPr lang="de-DE" dirty="0" err="1">
-                <a:solidFill>
-                  <a:schemeClr val="bg1"/>
-                </a:solidFill>
-              </a:rPr>
-              <a:t>Acc</a:t>
-            </a:r>
-            <a:r>
-              <a:rPr lang="de-DE" dirty="0">
-                <a:solidFill>
-                  <a:schemeClr val="bg1"/>
-                </a:solidFill>
-              </a:rPr>
-              <a:t>.</a:t>
-            </a:r>
-          </a:p>
-          <a:p>
-            <a:r>
-              <a:rPr lang="de-DE" dirty="0" err="1">
-                <a:solidFill>
-                  <a:schemeClr val="bg1"/>
-                </a:solidFill>
-              </a:rPr>
-              <a:t>Giga</a:t>
-            </a:r>
-            <a:r>
-              <a:rPr lang="de-DE" dirty="0">
-                <a:solidFill>
-                  <a:schemeClr val="bg1"/>
-                </a:solidFill>
-              </a:rPr>
-              <a:t> geheim XOXOXOXO</a:t>
-            </a:r>
-          </a:p>
-          <a:p>
+              <a:t>Enter Notes…</a:t>
+            </a:r>
+            <a:endParaRPr lang="de-DE" dirty="0" smtClean="0">
+              <a:solidFill>
+                <a:schemeClr val="bg1"/>
+              </a:solidFill>
+            </a:endParaRPr>
+          </a:p>
+          <a:p>
+            <a:pPr algn="ctr"/>
             <a:endParaRPr lang="de-DE" dirty="0">
               <a:solidFill>
                 <a:schemeClr val="bg1"/>
@@ -3756,6 +3582,7 @@
             </a:endParaRPr>
           </a:p>
           <a:p>
+            <a:pPr algn="ctr"/>
             <a:endParaRPr lang="de-DE" dirty="0">
               <a:solidFill>
                 <a:schemeClr val="bg1"/>
@@ -3763,6 +3590,7 @@
             </a:endParaRPr>
           </a:p>
           <a:p>
+            <a:pPr algn="ctr"/>
             <a:endParaRPr lang="de-DE" dirty="0">
               <a:solidFill>
                 <a:schemeClr val="bg1"/>
@@ -3770,6 +3598,7 @@
             </a:endParaRPr>
           </a:p>
           <a:p>
+            <a:pPr algn="ctr"/>
             <a:endParaRPr lang="de-DE" dirty="0">
               <a:solidFill>
                 <a:schemeClr val="bg1"/>
@@ -3777,6 +3606,7 @@
             </a:endParaRPr>
           </a:p>
           <a:p>
+            <a:pPr algn="ctr"/>
             <a:endParaRPr lang="de-DE" dirty="0">
               <a:solidFill>
                 <a:schemeClr val="bg1"/>
@@ -3784,6 +3614,7 @@
             </a:endParaRPr>
           </a:p>
           <a:p>
+            <a:pPr algn="ctr"/>
             <a:endParaRPr lang="de-DE" dirty="0">
               <a:solidFill>
                 <a:schemeClr val="bg1"/>
@@ -3791,6 +3622,7 @@
             </a:endParaRPr>
           </a:p>
           <a:p>
+            <a:pPr algn="ctr"/>
             <a:endParaRPr lang="de-DE" dirty="0">
               <a:solidFill>
                 <a:schemeClr val="bg1"/>
@@ -3798,6 +3630,7 @@
             </a:endParaRPr>
           </a:p>
           <a:p>
+            <a:pPr algn="ctr"/>
             <a:endParaRPr lang="de-DE" dirty="0">
               <a:solidFill>
                 <a:schemeClr val="bg1"/>
@@ -3899,20 +3732,38 @@
           </a:bodyPr>
           <a:lstStyle/>
           <a:p>
-            <a:pPr algn="ctr"/>
-            <a:r>
-              <a:rPr lang="de-DE" dirty="0" smtClean="0">
+            <a:pPr lvl="0" algn="ctr">
+              <a:defRPr/>
+            </a:pPr>
+            <a:r>
+              <a:rPr lang="de-DE" dirty="0">
                 <a:solidFill>
-                  <a:schemeClr val="bg1"/>
+                  <a:prstClr val="white">
+                    <a:alpha val="25000"/>
+                  </a:prstClr>
                 </a:solidFill>
                 <a:latin typeface="Segoe UI" panose="020B0502040204020203" pitchFamily="34" charset="0"/>
                 <a:cs typeface="Segoe UI" panose="020B0502040204020203" pitchFamily="34" charset="0"/>
               </a:rPr>
-              <a:t>New Password</a:t>
+              <a:t>Enter </a:t>
+            </a:r>
+            <a:r>
+              <a:rPr lang="de-DE" dirty="0" smtClean="0">
+                <a:solidFill>
+                  <a:prstClr val="white">
+                    <a:alpha val="25000"/>
+                  </a:prstClr>
+                </a:solidFill>
+                <a:latin typeface="Segoe UI" panose="020B0502040204020203" pitchFamily="34" charset="0"/>
+                <a:cs typeface="Segoe UI" panose="020B0502040204020203" pitchFamily="34" charset="0"/>
+              </a:rPr>
+              <a:t>Name…</a:t>
             </a:r>
             <a:endParaRPr lang="de-DE" dirty="0">
               <a:solidFill>
-                <a:schemeClr val="bg1"/>
+                <a:prstClr val="white">
+                  <a:alpha val="25000"/>
+                </a:prstClr>
               </a:solidFill>
               <a:latin typeface="Segoe UI" panose="020B0502040204020203" pitchFamily="34" charset="0"/>
               <a:cs typeface="Segoe UI" panose="020B0502040204020203" pitchFamily="34" charset="0"/>
@@ -4042,10 +3893,182 @@
           </a:p>
         </p:txBody>
       </p:sp>
+      <p:sp>
+        <p:nvSpPr>
+          <p:cNvPr id="20" name="Rechteck: abgerundete Ecken 5">
+            <a:extLst>
+              <a:ext uri="{FF2B5EF4-FFF2-40B4-BE49-F238E27FC236}">
+                <a16:creationId xmlns:a16="http://schemas.microsoft.com/office/drawing/2014/main" id="{31537E1C-B97A-41EE-9305-859C70890EB0}"/>
+              </a:ext>
+            </a:extLst>
+          </p:cNvPr>
+          <p:cNvSpPr>
+            <a:spLocks/>
+          </p:cNvSpPr>
+          <p:nvPr/>
+        </p:nvSpPr>
+        <p:spPr>
+          <a:xfrm>
+            <a:off x="5860751" y="2184365"/>
+            <a:ext cx="3292329" cy="591581"/>
+          </a:xfrm>
+          <a:prstGeom prst="roundRect">
+            <a:avLst>
+              <a:gd name="adj" fmla="val 27215"/>
+            </a:avLst>
+          </a:prstGeom>
+          <a:solidFill>
+            <a:srgbClr val="070A1B"/>
+          </a:solidFill>
+          <a:ln w="50800">
+            <a:solidFill>
+              <a:srgbClr val="7030A0"/>
+            </a:solidFill>
+          </a:ln>
+        </p:spPr>
+        <p:style>
+          <a:lnRef idx="2">
+            <a:schemeClr val="accent1">
+              <a:shade val="50000"/>
+            </a:schemeClr>
+          </a:lnRef>
+          <a:fillRef idx="1">
+            <a:schemeClr val="accent1"/>
+          </a:fillRef>
+          <a:effectRef idx="0">
+            <a:schemeClr val="accent1"/>
+          </a:effectRef>
+          <a:fontRef idx="minor">
+            <a:schemeClr val="lt1"/>
+          </a:fontRef>
+        </p:style>
+        <p:txBody>
+          <a:bodyPr rtlCol="0" anchor="ctr"/>
+          <a:lstStyle/>
+          <a:p>
+            <a:pPr lvl="0" algn="ctr">
+              <a:defRPr/>
+            </a:pPr>
+            <a:r>
+              <a:rPr lang="de-DE" dirty="0">
+                <a:solidFill>
+                  <a:prstClr val="white">
+                    <a:alpha val="25000"/>
+                  </a:prstClr>
+                </a:solidFill>
+                <a:latin typeface="Segoe UI" panose="020B0502040204020203" pitchFamily="34" charset="0"/>
+                <a:cs typeface="Segoe UI" panose="020B0502040204020203" pitchFamily="34" charset="0"/>
+              </a:rPr>
+              <a:t>Enter Password…</a:t>
+            </a:r>
+            <a:endParaRPr lang="de-DE" dirty="0">
+              <a:solidFill>
+                <a:prstClr val="white">
+                  <a:alpha val="25000"/>
+                </a:prstClr>
+              </a:solidFill>
+              <a:latin typeface="Segoe UI" panose="020B0502040204020203" pitchFamily="34" charset="0"/>
+              <a:cs typeface="Segoe UI" panose="020B0502040204020203" pitchFamily="34" charset="0"/>
+            </a:endParaRPr>
+          </a:p>
+        </p:txBody>
+      </p:sp>
+      <p:sp>
+        <p:nvSpPr>
+          <p:cNvPr id="21" name="Rechteck: abgerundete Ecken 5">
+            <a:extLst>
+              <a:ext uri="{FF2B5EF4-FFF2-40B4-BE49-F238E27FC236}">
+                <a16:creationId xmlns:a16="http://schemas.microsoft.com/office/drawing/2014/main" id="{31537E1C-B97A-41EE-9305-859C70890EB0}"/>
+              </a:ext>
+            </a:extLst>
+          </p:cNvPr>
+          <p:cNvSpPr>
+            <a:spLocks/>
+          </p:cNvSpPr>
+          <p:nvPr/>
+        </p:nvSpPr>
+        <p:spPr>
+          <a:xfrm>
+            <a:off x="5860751" y="1458635"/>
+            <a:ext cx="3292329" cy="591581"/>
+          </a:xfrm>
+          <a:prstGeom prst="roundRect">
+            <a:avLst>
+              <a:gd name="adj" fmla="val 27215"/>
+            </a:avLst>
+          </a:prstGeom>
+          <a:solidFill>
+            <a:srgbClr val="070A1B"/>
+          </a:solidFill>
+          <a:ln w="50800">
+            <a:solidFill>
+              <a:srgbClr val="7030A0"/>
+            </a:solidFill>
+          </a:ln>
+        </p:spPr>
+        <p:style>
+          <a:lnRef idx="2">
+            <a:schemeClr val="accent1">
+              <a:shade val="50000"/>
+            </a:schemeClr>
+          </a:lnRef>
+          <a:fillRef idx="1">
+            <a:schemeClr val="accent1"/>
+          </a:fillRef>
+          <a:effectRef idx="0">
+            <a:schemeClr val="accent1"/>
+          </a:effectRef>
+          <a:fontRef idx="minor">
+            <a:schemeClr val="lt1"/>
+          </a:fontRef>
+        </p:style>
+        <p:txBody>
+          <a:bodyPr rtlCol="0" anchor="ctr"/>
+          <a:lstStyle/>
+          <a:p>
+            <a:pPr lvl="0" algn="ctr">
+              <a:defRPr/>
+            </a:pPr>
+            <a:r>
+              <a:rPr lang="de-DE" dirty="0">
+                <a:solidFill>
+                  <a:prstClr val="white">
+                    <a:alpha val="25000"/>
+                  </a:prstClr>
+                </a:solidFill>
+                <a:latin typeface="Segoe UI" panose="020B0502040204020203" pitchFamily="34" charset="0"/>
+                <a:cs typeface="Segoe UI" panose="020B0502040204020203" pitchFamily="34" charset="0"/>
+              </a:rPr>
+              <a:t>Enter </a:t>
+            </a:r>
+            <a:r>
+              <a:rPr lang="de-DE" dirty="0" smtClean="0">
+                <a:solidFill>
+                  <a:prstClr val="white">
+                    <a:alpha val="25000"/>
+                  </a:prstClr>
+                </a:solidFill>
+                <a:latin typeface="Segoe UI" panose="020B0502040204020203" pitchFamily="34" charset="0"/>
+                <a:cs typeface="Segoe UI" panose="020B0502040204020203" pitchFamily="34" charset="0"/>
+              </a:rPr>
+              <a:t>E-Mail…</a:t>
+            </a:r>
+            <a:endParaRPr lang="de-DE" dirty="0">
+              <a:solidFill>
+                <a:prstClr val="white">
+                  <a:alpha val="25000"/>
+                </a:prstClr>
+              </a:solidFill>
+              <a:latin typeface="Segoe UI" panose="020B0502040204020203" pitchFamily="34" charset="0"/>
+              <a:cs typeface="Segoe UI" panose="020B0502040204020203" pitchFamily="34" charset="0"/>
+            </a:endParaRPr>
+          </a:p>
+        </p:txBody>
+      </p:sp>
     </p:spTree>
     <p:extLst>
       <p:ext uri="{BB962C8B-B14F-4D97-AF65-F5344CB8AC3E}">
-        <p14:creationId xmlns:p14="http://schemas.microsoft.com/office/powerpoint/2010/main" val="206960833"/>
+        <p14:creationId xmlns:p14="http://schemas.microsoft.com/office/powerpoint/2010/main" val="966642757"/>
       </p:ext>
     </p:extLst>
   </p:cSld>
@@ -4598,13 +4621,13 @@
 <file path=customXml/itemProps1.xml><?xml version="1.0" encoding="utf-8"?>
 <ds:datastoreItem xmlns:ds="http://schemas.openxmlformats.org/officeDocument/2006/customXml" ds:itemID="{130616D4-21CA-4713-98C3-A5CBD223A70E}">
   <ds:schemaRefs>
+    <ds:schemaRef ds:uri="951237c1-21f2-4896-8206-b64200021fb9"/>
+    <ds:schemaRef ds:uri="http://purl.org/dc/elements/1.1/"/>
+    <ds:schemaRef ds:uri="http://schemas.microsoft.com/office/2006/metadata/properties"/>
+    <ds:schemaRef ds:uri="http://purl.org/dc/terms/"/>
     <ds:schemaRef ds:uri="http://schemas.openxmlformats.org/package/2006/metadata/core-properties"/>
-    <ds:schemaRef ds:uri="http://purl.org/dc/terms/"/>
+    <ds:schemaRef ds:uri="http://schemas.microsoft.com/office/2006/documentManagement/types"/>
     <ds:schemaRef ds:uri="befe304b-387e-49d3-a343-bd24cb0a16e2"/>
-    <ds:schemaRef ds:uri="http://schemas.microsoft.com/office/2006/documentManagement/types"/>
-    <ds:schemaRef ds:uri="951237c1-21f2-4896-8206-b64200021fb9"/>
-    <ds:schemaRef ds:uri="http://schemas.microsoft.com/office/2006/metadata/properties"/>
-    <ds:schemaRef ds:uri="http://purl.org/dc/elements/1.1/"/>
     <ds:schemaRef ds:uri="http://schemas.microsoft.com/office/infopath/2007/PartnerControls"/>
     <ds:schemaRef ds:uri="http://www.w3.org/XML/1998/namespace"/>
     <ds:schemaRef ds:uri="http://purl.org/dc/dcmitype/"/>
